--- a/PS2.pptx
+++ b/PS2.pptx
@@ -275,7 +275,7 @@
             <a:fld id="{08B9EBBA-996F-894A-B54A-D6246ED52CEA}" type="datetimeFigureOut">
               <a:rPr lang="en-US" smtClean="0"/>
               <a:pPr/>
-              <a:t>1/20/19</a:t>
+              <a:t>1/21/19</a:t>
             </a:fld>
             <a:endParaRPr lang="en-US" dirty="0"/>
           </a:p>
@@ -477,7 +477,7 @@
             <a:fld id="{C6C52C72-DE31-F449-A4ED-4C594FD91407}" type="datetimeFigureOut">
               <a:rPr lang="en-US" smtClean="0"/>
               <a:pPr/>
-              <a:t>1/20/19</a:t>
+              <a:t>1/21/19</a:t>
             </a:fld>
             <a:endParaRPr lang="en-US" dirty="0"/>
           </a:p>
@@ -689,7 +689,7 @@
             <a:fld id="{ED62726E-379B-B349-9EED-81ED093FA806}" type="datetimeFigureOut">
               <a:rPr lang="en-US" smtClean="0"/>
               <a:pPr/>
-              <a:t>1/20/19</a:t>
+              <a:t>1/21/19</a:t>
             </a:fld>
             <a:endParaRPr lang="en-US" dirty="0"/>
           </a:p>
@@ -891,7 +891,7 @@
             <a:fld id="{9B3A1323-8D79-1946-B0D7-40001CF92E9D}" type="datetimeFigureOut">
               <a:rPr lang="en-US" smtClean="0"/>
               <a:pPr/>
-              <a:t>1/20/19</a:t>
+              <a:t>1/21/19</a:t>
             </a:fld>
             <a:endParaRPr lang="en-US" dirty="0"/>
           </a:p>
@@ -1169,7 +1169,7 @@
             <a:fld id="{8DFA1846-DA80-1C48-A609-854EA85C59AD}" type="datetimeFigureOut">
               <a:rPr lang="en-US" smtClean="0"/>
               <a:pPr/>
-              <a:t>1/20/19</a:t>
+              <a:t>1/21/19</a:t>
             </a:fld>
             <a:endParaRPr lang="en-US" dirty="0"/>
           </a:p>
@@ -1439,7 +1439,7 @@
             <a:fld id="{57302355-E14B-8545-A8F8-0FE83CC9D524}" type="datetimeFigureOut">
               <a:rPr lang="en-US" smtClean="0"/>
               <a:pPr/>
-              <a:t>1/20/19</a:t>
+              <a:t>1/21/19</a:t>
             </a:fld>
             <a:endParaRPr lang="en-US" dirty="0"/>
           </a:p>
@@ -1856,7 +1856,7 @@
             <a:fld id="{02640F58-564D-2B4F-AE67-E407BA4FCF45}" type="datetimeFigureOut">
               <a:rPr lang="en-US" smtClean="0"/>
               <a:pPr/>
-              <a:t>1/20/19</a:t>
+              <a:t>1/21/19</a:t>
             </a:fld>
             <a:endParaRPr lang="en-US" dirty="0"/>
           </a:p>
@@ -2000,7 +2000,7 @@
             <a:fld id="{F13A34C8-038E-2045-AF43-DF7DBB8E0E9E}" type="datetimeFigureOut">
               <a:rPr lang="en-US" smtClean="0"/>
               <a:pPr/>
-              <a:t>1/20/19</a:t>
+              <a:t>1/21/19</a:t>
             </a:fld>
             <a:endParaRPr lang="en-US" dirty="0"/>
           </a:p>
@@ -2115,7 +2115,7 @@
             <a:fld id="{8818C68F-D26B-8F47-958C-23B49CF8A634}" type="datetimeFigureOut">
               <a:rPr lang="en-US" smtClean="0"/>
               <a:pPr/>
-              <a:t>1/20/19</a:t>
+              <a:t>1/21/19</a:t>
             </a:fld>
             <a:endParaRPr lang="en-US" dirty="0"/>
           </a:p>
@@ -2430,7 +2430,7 @@
             <a:fld id="{D0DF5E60-9974-AC48-9591-99C2BB44B7CF}" type="datetimeFigureOut">
               <a:rPr lang="en-US" smtClean="0"/>
               <a:pPr/>
-              <a:t>1/20/19</a:t>
+              <a:t>1/21/19</a:t>
             </a:fld>
             <a:endParaRPr lang="en-US" dirty="0"/>
           </a:p>
@@ -2721,7 +2721,7 @@
             <a:fld id="{09B482E8-6E0E-1B4F-B1FD-C69DB9E858D9}" type="datetimeFigureOut">
               <a:rPr lang="en-US" smtClean="0"/>
               <a:pPr/>
-              <a:t>1/20/19</a:t>
+              <a:t>1/21/19</a:t>
             </a:fld>
             <a:endParaRPr lang="en-US" dirty="0"/>
           </a:p>
@@ -2967,7 +2967,7 @@
             <a:fld id="{09B482E8-6E0E-1B4F-B1FD-C69DB9E858D9}" type="datetimeFigureOut">
               <a:rPr lang="en-US" smtClean="0"/>
               <a:pPr/>
-              <a:t>1/20/19</a:t>
+              <a:t>1/21/19</a:t>
             </a:fld>
             <a:endParaRPr lang="en-US" dirty="0"/>
           </a:p>
@@ -3911,6 +3911,36 @@
             <a:r>
               <a:rPr lang="sk-SK" dirty="0" err="1"/>
               <a:t>Buffalo</a:t>
+            </a:r>
+            <a:r>
+              <a:rPr lang="sk-SK" dirty="0"/>
+              <a:t> – </a:t>
+            </a:r>
+            <a:r>
+              <a:rPr lang="sk-SK" dirty="0" err="1"/>
+              <a:t>back</a:t>
+            </a:r>
+            <a:r>
+              <a:rPr lang="sk-SK" dirty="0"/>
+              <a:t>-end </a:t>
+            </a:r>
+          </a:p>
+          <a:p>
+            <a:r>
+              <a:rPr lang="sk-SK" dirty="0"/>
+              <a:t>Front-end </a:t>
+            </a:r>
+            <a:r>
+              <a:rPr lang="sk-SK" dirty="0" err="1"/>
+              <a:t>framework</a:t>
+            </a:r>
+            <a:r>
+              <a:rPr lang="sk-SK" dirty="0"/>
+              <a:t> </a:t>
+            </a:r>
+            <a:r>
+              <a:rPr lang="sk-SK" dirty="0" err="1"/>
+              <a:t>React</a:t>
             </a:r>
             <a:endParaRPr lang="sk-SK" dirty="0"/>
           </a:p>
